--- a/docs/進捗発表/進捗発表11_6.pptx
+++ b/docs/進捗発表/進捗発表11_6.pptx
@@ -5,10 +5,10 @@
     <p:sldMasterId id="2147483672" r:id="rId1"/>
   </p:sldMasterIdLst>
   <p:notesMasterIdLst>
-    <p:notesMasterId r:id="rId20"/>
+    <p:notesMasterId r:id="rId21"/>
   </p:notesMasterIdLst>
   <p:handoutMasterIdLst>
-    <p:handoutMasterId r:id="rId21"/>
+    <p:handoutMasterId r:id="rId22"/>
   </p:handoutMasterIdLst>
   <p:sldIdLst>
     <p:sldId id="256" r:id="rId2"/>
@@ -29,6 +29,7 @@
     <p:sldId id="274" r:id="rId17"/>
     <p:sldId id="275" r:id="rId18"/>
     <p:sldId id="276" r:id="rId19"/>
+    <p:sldId id="277" r:id="rId20"/>
   </p:sldIdLst>
   <p:sldSz cx="12192000" cy="6858000"/>
   <p:notesSz cx="6858000" cy="9144000"/>
@@ -254,7 +255,7 @@
           <a:p>
             <a:fld id="{A9875936-CAD0-1C40-8DBE-97E7FC885E68}" type="datetimeFigureOut">
               <a:rPr kumimoji="1" lang="ja-JP" altLang="en-US" smtClean="0"/>
-              <a:t>2020/11/6</a:t>
+              <a:t>2020/11/18</a:t>
             </a:fld>
             <a:endParaRPr kumimoji="1" lang="ja-JP" altLang="en-US"/>
           </a:p>
@@ -2540,7 +2541,7 @@
           <a:p>
             <a:fld id="{748E6AB6-1A34-DC48-935D-01482CBC09AE}" type="datetimeFigureOut">
               <a:rPr kumimoji="1" lang="ja-JP" altLang="en-US" smtClean="0"/>
-              <a:t>2020/11/6</a:t>
+              <a:t>2020/11/18</a:t>
             </a:fld>
             <a:endParaRPr kumimoji="1" lang="ja-JP" altLang="en-US"/>
           </a:p>
@@ -2742,7 +2743,7 @@
           <a:p>
             <a:fld id="{748E6AB6-1A34-DC48-935D-01482CBC09AE}" type="datetimeFigureOut">
               <a:rPr kumimoji="1" lang="ja-JP" altLang="en-US" smtClean="0"/>
-              <a:t>2020/11/6</a:t>
+              <a:t>2020/11/18</a:t>
             </a:fld>
             <a:endParaRPr kumimoji="1" lang="ja-JP" altLang="en-US"/>
           </a:p>
@@ -2954,7 +2955,7 @@
           <a:p>
             <a:fld id="{748E6AB6-1A34-DC48-935D-01482CBC09AE}" type="datetimeFigureOut">
               <a:rPr kumimoji="1" lang="ja-JP" altLang="en-US" smtClean="0"/>
-              <a:t>2020/11/6</a:t>
+              <a:t>2020/11/18</a:t>
             </a:fld>
             <a:endParaRPr kumimoji="1" lang="ja-JP" altLang="en-US"/>
           </a:p>
@@ -3156,7 +3157,7 @@
           <a:p>
             <a:fld id="{748E6AB6-1A34-DC48-935D-01482CBC09AE}" type="datetimeFigureOut">
               <a:rPr kumimoji="1" lang="ja-JP" altLang="en-US" smtClean="0"/>
-              <a:t>2020/11/6</a:t>
+              <a:t>2020/11/18</a:t>
             </a:fld>
             <a:endParaRPr kumimoji="1" lang="ja-JP" altLang="en-US"/>
           </a:p>
@@ -3402,7 +3403,7 @@
           <a:p>
             <a:fld id="{748E6AB6-1A34-DC48-935D-01482CBC09AE}" type="datetimeFigureOut">
               <a:rPr kumimoji="1" lang="ja-JP" altLang="en-US" smtClean="0"/>
-              <a:t>2020/11/6</a:t>
+              <a:t>2020/11/18</a:t>
             </a:fld>
             <a:endParaRPr kumimoji="1" lang="ja-JP" altLang="en-US"/>
           </a:p>
@@ -3698,7 +3699,7 @@
           <a:p>
             <a:fld id="{748E6AB6-1A34-DC48-935D-01482CBC09AE}" type="datetimeFigureOut">
               <a:rPr kumimoji="1" lang="ja-JP" altLang="en-US" smtClean="0"/>
-              <a:t>2020/11/6</a:t>
+              <a:t>2020/11/18</a:t>
             </a:fld>
             <a:endParaRPr kumimoji="1" lang="ja-JP" altLang="en-US"/>
           </a:p>
@@ -4129,7 +4130,7 @@
           <a:p>
             <a:fld id="{748E6AB6-1A34-DC48-935D-01482CBC09AE}" type="datetimeFigureOut">
               <a:rPr kumimoji="1" lang="ja-JP" altLang="en-US" smtClean="0"/>
-              <a:t>2020/11/6</a:t>
+              <a:t>2020/11/18</a:t>
             </a:fld>
             <a:endParaRPr kumimoji="1" lang="ja-JP" altLang="en-US"/>
           </a:p>
@@ -4247,7 +4248,7 @@
           <a:p>
             <a:fld id="{748E6AB6-1A34-DC48-935D-01482CBC09AE}" type="datetimeFigureOut">
               <a:rPr kumimoji="1" lang="ja-JP" altLang="en-US" smtClean="0"/>
-              <a:t>2020/11/6</a:t>
+              <a:t>2020/11/18</a:t>
             </a:fld>
             <a:endParaRPr kumimoji="1" lang="ja-JP" altLang="en-US"/>
           </a:p>
@@ -4342,7 +4343,7 @@
           <a:p>
             <a:fld id="{748E6AB6-1A34-DC48-935D-01482CBC09AE}" type="datetimeFigureOut">
               <a:rPr kumimoji="1" lang="ja-JP" altLang="en-US" smtClean="0"/>
-              <a:t>2020/11/6</a:t>
+              <a:t>2020/11/18</a:t>
             </a:fld>
             <a:endParaRPr kumimoji="1" lang="ja-JP" altLang="en-US"/>
           </a:p>
@@ -4651,7 +4652,7 @@
           <a:p>
             <a:fld id="{748E6AB6-1A34-DC48-935D-01482CBC09AE}" type="datetimeFigureOut">
               <a:rPr kumimoji="1" lang="ja-JP" altLang="en-US" smtClean="0"/>
-              <a:t>2020/11/6</a:t>
+              <a:t>2020/11/18</a:t>
             </a:fld>
             <a:endParaRPr kumimoji="1" lang="ja-JP" altLang="en-US"/>
           </a:p>
@@ -4908,7 +4909,7 @@
           <a:p>
             <a:fld id="{748E6AB6-1A34-DC48-935D-01482CBC09AE}" type="datetimeFigureOut">
               <a:rPr kumimoji="1" lang="ja-JP" altLang="en-US" smtClean="0"/>
-              <a:t>2020/11/6</a:t>
+              <a:t>2020/11/18</a:t>
             </a:fld>
             <a:endParaRPr kumimoji="1" lang="ja-JP" altLang="en-US"/>
           </a:p>
@@ -5153,7 +5154,7 @@
           <a:p>
             <a:fld id="{748E6AB6-1A34-DC48-935D-01482CBC09AE}" type="datetimeFigureOut">
               <a:rPr kumimoji="1" lang="ja-JP" altLang="en-US" smtClean="0"/>
-              <a:t>2020/11/6</a:t>
+              <a:t>2020/11/18</a:t>
             </a:fld>
             <a:endParaRPr kumimoji="1" lang="ja-JP" altLang="en-US"/>
           </a:p>
@@ -6060,11 +6061,7 @@
             </a:r>
             <a:r>
               <a:rPr lang="en-US" altLang="ja-JP" sz="3200" dirty="0"/>
-              <a:t>(</a:t>
-            </a:r>
-            <a:r>
-              <a:rPr lang="en-US" altLang="ja-JP" sz="3200" dirty="0" err="1"/>
-              <a:t>ChannelTitle</a:t>
+              <a:t>(ChannelTitle</a:t>
             </a:r>
             <a:r>
               <a:rPr lang="ja-JP" altLang="en-US" sz="3200"/>
@@ -6333,7 +6330,7 @@
               <a:t>を使い、</a:t>
             </a:r>
             <a:r>
-              <a:rPr lang="en-US" altLang="ja-JP" sz="2000" dirty="0" err="1"/>
+              <a:rPr lang="en-US" altLang="ja-JP" sz="2000" dirty="0"/>
               <a:t>channelTitle</a:t>
             </a:r>
             <a:r>
@@ -8591,6 +8588,683 @@
 </p:sld>
 </file>
 
+<file path=ppt/slides/slide19.xml><?xml version="1.0" encoding="utf-8"?>
+<p:sld xmlns:a="http://schemas.openxmlformats.org/drawingml/2006/main" xmlns:r="http://schemas.openxmlformats.org/officeDocument/2006/relationships" xmlns:p="http://schemas.openxmlformats.org/presentationml/2006/main">
+  <p:cSld>
+    <p:spTree>
+      <p:nvGrpSpPr>
+        <p:cNvPr id="1" name=""/>
+        <p:cNvGrpSpPr/>
+        <p:nvPr/>
+      </p:nvGrpSpPr>
+      <p:grpSpPr>
+        <a:xfrm>
+          <a:off x="0" y="0"/>
+          <a:ext cx="0" cy="0"/>
+          <a:chOff x="0" y="0"/>
+          <a:chExt cx="0" cy="0"/>
+        </a:xfrm>
+      </p:grpSpPr>
+      <p:graphicFrame>
+        <p:nvGraphicFramePr>
+          <p:cNvPr id="2" name="表 5">
+            <a:extLst>
+              <a:ext uri="{FF2B5EF4-FFF2-40B4-BE49-F238E27FC236}">
+                <a16:creationId xmlns:a16="http://schemas.microsoft.com/office/drawing/2014/main" id="{53F5A2EB-606C-D047-9F90-B7A9236C1568}"/>
+              </a:ext>
+            </a:extLst>
+          </p:cNvPr>
+          <p:cNvGraphicFramePr>
+            <a:graphicFrameLocks noGrp="1"/>
+          </p:cNvGraphicFramePr>
+          <p:nvPr>
+            <p:extLst>
+              <p:ext uri="{D42A27DB-BD31-4B8C-83A1-F6EECF244321}">
+                <p14:modId xmlns:p14="http://schemas.microsoft.com/office/powerpoint/2010/main" val="3232321789"/>
+              </p:ext>
+            </p:extLst>
+          </p:nvPr>
+        </p:nvGraphicFramePr>
+        <p:xfrm>
+          <a:off x="1223158" y="269247"/>
+          <a:ext cx="5379524" cy="6048424"/>
+        </p:xfrm>
+        <a:graphic>
+          <a:graphicData uri="http://schemas.openxmlformats.org/drawingml/2006/table">
+            <a:tbl>
+              <a:tblPr firstRow="1" bandRow="1">
+                <a:tableStyleId>{5C22544A-7EE6-4342-B048-85BDC9FD1C3A}</a:tableStyleId>
+              </a:tblPr>
+              <a:tblGrid>
+                <a:gridCol w="2689762">
+                  <a:extLst>
+                    <a:ext uri="{9D8B030D-6E8A-4147-A177-3AD203B41FA5}">
+                      <a16:colId xmlns:a16="http://schemas.microsoft.com/office/drawing/2014/main" val="3008173994"/>
+                    </a:ext>
+                  </a:extLst>
+                </a:gridCol>
+                <a:gridCol w="2689762">
+                  <a:extLst>
+                    <a:ext uri="{9D8B030D-6E8A-4147-A177-3AD203B41FA5}">
+                      <a16:colId xmlns:a16="http://schemas.microsoft.com/office/drawing/2014/main" val="2488389804"/>
+                    </a:ext>
+                  </a:extLst>
+                </a:gridCol>
+              </a:tblGrid>
+              <a:tr h="355657">
+                <a:tc>
+                  <a:txBody>
+                    <a:bodyPr/>
+                    <a:lstStyle/>
+                    <a:p>
+                      <a:r>
+                        <a:rPr kumimoji="1" lang="ja-JP" altLang="en-US" sz="1500"/>
+                        <a:t>カラム名</a:t>
+                      </a:r>
+                    </a:p>
+                  </a:txBody>
+                  <a:tcPr marT="45721" marB="45721"/>
+                </a:tc>
+                <a:tc>
+                  <a:txBody>
+                    <a:bodyPr/>
+                    <a:lstStyle/>
+                    <a:p>
+                      <a:r>
+                        <a:rPr kumimoji="1" lang="ja-JP" altLang="en-US" sz="1500" dirty="0"/>
+                        <a:t>説明</a:t>
+                      </a:r>
+                    </a:p>
+                  </a:txBody>
+                  <a:tcPr marT="45721" marB="45721"/>
+                </a:tc>
+                <a:extLst>
+                  <a:ext uri="{0D108BD9-81ED-4DB2-BD59-A6C34878D82A}">
+                    <a16:rowId xmlns:a16="http://schemas.microsoft.com/office/drawing/2014/main" val="607418439"/>
+                  </a:ext>
+                </a:extLst>
+              </a:tr>
+              <a:tr h="355657">
+                <a:tc>
+                  <a:txBody>
+                    <a:bodyPr/>
+                    <a:lstStyle/>
+                    <a:p>
+                      <a:r>
+                        <a:rPr kumimoji="1" lang="en-US" altLang="ja-JP" sz="1500" dirty="0"/>
+                        <a:t>video_id</a:t>
+                      </a:r>
+                      <a:endParaRPr kumimoji="1" lang="ja-JP" altLang="en-US" sz="1500"/>
+                    </a:p>
+                  </a:txBody>
+                  <a:tcPr marT="45721" marB="45721"/>
+                </a:tc>
+                <a:tc>
+                  <a:txBody>
+                    <a:bodyPr/>
+                    <a:lstStyle/>
+                    <a:p>
+                      <a:r>
+                        <a:rPr kumimoji="1" lang="ja-JP" altLang="en-US" sz="1500" dirty="0"/>
+                        <a:t>動画ごとの一意の</a:t>
+                      </a:r>
+                      <a:r>
+                        <a:rPr kumimoji="1" lang="en-US" altLang="ja-JP" sz="1500" dirty="0"/>
+                        <a:t>ID</a:t>
+                      </a:r>
+                      <a:endParaRPr kumimoji="1" lang="ja-JP" altLang="en-US" sz="1500" dirty="0"/>
+                    </a:p>
+                  </a:txBody>
+                  <a:tcPr marT="45721" marB="45721"/>
+                </a:tc>
+                <a:extLst>
+                  <a:ext uri="{0D108BD9-81ED-4DB2-BD59-A6C34878D82A}">
+                    <a16:rowId xmlns:a16="http://schemas.microsoft.com/office/drawing/2014/main" val="3340295327"/>
+                  </a:ext>
+                </a:extLst>
+              </a:tr>
+              <a:tr h="355657">
+                <a:tc>
+                  <a:txBody>
+                    <a:bodyPr/>
+                    <a:lstStyle/>
+                    <a:p>
+                      <a:r>
+                        <a:rPr kumimoji="1" lang="en-US" altLang="ja-JP" sz="1500" dirty="0"/>
+                        <a:t>title</a:t>
+                      </a:r>
+                      <a:endParaRPr kumimoji="1" lang="ja-JP" altLang="en-US" sz="1500"/>
+                    </a:p>
+                  </a:txBody>
+                  <a:tcPr marT="45721" marB="45721"/>
+                </a:tc>
+                <a:tc>
+                  <a:txBody>
+                    <a:bodyPr/>
+                    <a:lstStyle/>
+                    <a:p>
+                      <a:r>
+                        <a:rPr kumimoji="1" lang="ja-JP" altLang="en-US" sz="1500"/>
+                        <a:t>動画のタイトル</a:t>
+                      </a:r>
+                    </a:p>
+                  </a:txBody>
+                  <a:tcPr marT="45721" marB="45721"/>
+                </a:tc>
+                <a:extLst>
+                  <a:ext uri="{0D108BD9-81ED-4DB2-BD59-A6C34878D82A}">
+                    <a16:rowId xmlns:a16="http://schemas.microsoft.com/office/drawing/2014/main" val="382391794"/>
+                  </a:ext>
+                </a:extLst>
+              </a:tr>
+              <a:tr h="355657">
+                <a:tc>
+                  <a:txBody>
+                    <a:bodyPr/>
+                    <a:lstStyle/>
+                    <a:p>
+                      <a:r>
+                        <a:rPr kumimoji="1" lang="en-US" altLang="ja-JP" sz="1500" dirty="0"/>
+                        <a:t>publishedAt</a:t>
+                      </a:r>
+                      <a:endParaRPr kumimoji="1" lang="ja-JP" altLang="en-US" sz="1500" dirty="0"/>
+                    </a:p>
+                  </a:txBody>
+                  <a:tcPr marT="45721" marB="45721"/>
+                </a:tc>
+                <a:tc>
+                  <a:txBody>
+                    <a:bodyPr/>
+                    <a:lstStyle/>
+                    <a:p>
+                      <a:r>
+                        <a:rPr kumimoji="1" lang="ja-JP" altLang="en-US" sz="1500"/>
+                        <a:t>動画の投稿時間</a:t>
+                      </a:r>
+                    </a:p>
+                  </a:txBody>
+                  <a:tcPr marT="45721" marB="45721"/>
+                </a:tc>
+                <a:extLst>
+                  <a:ext uri="{0D108BD9-81ED-4DB2-BD59-A6C34878D82A}">
+                    <a16:rowId xmlns:a16="http://schemas.microsoft.com/office/drawing/2014/main" val="4247502443"/>
+                  </a:ext>
+                </a:extLst>
+              </a:tr>
+              <a:tr h="355657">
+                <a:tc>
+                  <a:txBody>
+                    <a:bodyPr/>
+                    <a:lstStyle/>
+                    <a:p>
+                      <a:r>
+                        <a:rPr kumimoji="1" lang="en-US" altLang="ja-JP" sz="1500" dirty="0"/>
+                        <a:t>channelId</a:t>
+                      </a:r>
+                      <a:endParaRPr kumimoji="1" lang="ja-JP" altLang="en-US" sz="1500"/>
+                    </a:p>
+                  </a:txBody>
+                  <a:tcPr marT="45721" marB="45721"/>
+                </a:tc>
+                <a:tc>
+                  <a:txBody>
+                    <a:bodyPr/>
+                    <a:lstStyle/>
+                    <a:p>
+                      <a:r>
+                        <a:rPr kumimoji="1" lang="ja-JP" altLang="en-US" sz="1500"/>
+                        <a:t>チャンネルの</a:t>
+                      </a:r>
+                      <a:r>
+                        <a:rPr kumimoji="1" lang="en-US" altLang="ja-JP" sz="1500" dirty="0"/>
+                        <a:t>ID</a:t>
+                      </a:r>
+                      <a:endParaRPr kumimoji="1" lang="ja-JP" altLang="en-US" sz="1500"/>
+                    </a:p>
+                  </a:txBody>
+                  <a:tcPr marT="45721" marB="45721"/>
+                </a:tc>
+                <a:extLst>
+                  <a:ext uri="{0D108BD9-81ED-4DB2-BD59-A6C34878D82A}">
+                    <a16:rowId xmlns:a16="http://schemas.microsoft.com/office/drawing/2014/main" val="2243755617"/>
+                  </a:ext>
+                </a:extLst>
+              </a:tr>
+              <a:tr h="355657">
+                <a:tc>
+                  <a:txBody>
+                    <a:bodyPr/>
+                    <a:lstStyle/>
+                    <a:p>
+                      <a:r>
+                        <a:rPr kumimoji="1" lang="en-US" altLang="ja-JP" sz="1500" dirty="0"/>
+                        <a:t>channelTitle</a:t>
+                      </a:r>
+                      <a:endParaRPr kumimoji="1" lang="ja-JP" altLang="en-US" sz="1500" dirty="0"/>
+                    </a:p>
+                  </a:txBody>
+                  <a:tcPr marT="45721" marB="45721"/>
+                </a:tc>
+                <a:tc>
+                  <a:txBody>
+                    <a:bodyPr/>
+                    <a:lstStyle/>
+                    <a:p>
+                      <a:r>
+                        <a:rPr kumimoji="1" lang="ja-JP" altLang="en-US" sz="1500"/>
+                        <a:t>チャンネルの名前</a:t>
+                      </a:r>
+                    </a:p>
+                  </a:txBody>
+                  <a:tcPr marT="45721" marB="45721"/>
+                </a:tc>
+                <a:extLst>
+                  <a:ext uri="{0D108BD9-81ED-4DB2-BD59-A6C34878D82A}">
+                    <a16:rowId xmlns:a16="http://schemas.microsoft.com/office/drawing/2014/main" val="3213536354"/>
+                  </a:ext>
+                </a:extLst>
+              </a:tr>
+              <a:tr h="355657">
+                <a:tc>
+                  <a:txBody>
+                    <a:bodyPr/>
+                    <a:lstStyle/>
+                    <a:p>
+                      <a:r>
+                        <a:rPr kumimoji="1" lang="en-US" altLang="ja-JP" sz="1500" dirty="0"/>
+                        <a:t>categoryId</a:t>
+                      </a:r>
+                      <a:endParaRPr kumimoji="1" lang="ja-JP" altLang="en-US" sz="1500" dirty="0"/>
+                    </a:p>
+                  </a:txBody>
+                  <a:tcPr marT="45721" marB="45721"/>
+                </a:tc>
+                <a:tc>
+                  <a:txBody>
+                    <a:bodyPr/>
+                    <a:lstStyle/>
+                    <a:p>
+                      <a:r>
+                        <a:rPr kumimoji="1" lang="ja-JP" altLang="en-US" sz="1500"/>
+                        <a:t>動画カテゴリの</a:t>
+                      </a:r>
+                      <a:r>
+                        <a:rPr kumimoji="1" lang="en-US" altLang="ja-JP" sz="1500" dirty="0"/>
+                        <a:t>ID</a:t>
+                      </a:r>
+                      <a:endParaRPr kumimoji="1" lang="ja-JP" altLang="en-US" sz="1500"/>
+                    </a:p>
+                  </a:txBody>
+                  <a:tcPr marT="45721" marB="45721"/>
+                </a:tc>
+                <a:extLst>
+                  <a:ext uri="{0D108BD9-81ED-4DB2-BD59-A6C34878D82A}">
+                    <a16:rowId xmlns:a16="http://schemas.microsoft.com/office/drawing/2014/main" val="2072759501"/>
+                  </a:ext>
+                </a:extLst>
+              </a:tr>
+              <a:tr h="357912">
+                <a:tc>
+                  <a:txBody>
+                    <a:bodyPr/>
+                    <a:lstStyle/>
+                    <a:p>
+                      <a:r>
+                        <a:rPr kumimoji="1" lang="en-US" altLang="ja-JP" sz="1500" dirty="0"/>
+                        <a:t>collection_date</a:t>
+                      </a:r>
+                      <a:endParaRPr kumimoji="1" lang="ja-JP" altLang="en-US" sz="1500"/>
+                    </a:p>
+                  </a:txBody>
+                  <a:tcPr marT="45721" marB="45721"/>
+                </a:tc>
+                <a:tc>
+                  <a:txBody>
+                    <a:bodyPr/>
+                    <a:lstStyle/>
+                    <a:p>
+                      <a:r>
+                        <a:rPr kumimoji="1" lang="ja-JP" altLang="en-US" sz="1500"/>
+                        <a:t>データレコードの収集日</a:t>
+                      </a:r>
+                    </a:p>
+                  </a:txBody>
+                  <a:tcPr marT="45721" marB="45721"/>
+                </a:tc>
+                <a:extLst>
+                  <a:ext uri="{0D108BD9-81ED-4DB2-BD59-A6C34878D82A}">
+                    <a16:rowId xmlns:a16="http://schemas.microsoft.com/office/drawing/2014/main" val="4168614862"/>
+                  </a:ext>
+                </a:extLst>
+              </a:tr>
+              <a:tr h="355657">
+                <a:tc>
+                  <a:txBody>
+                    <a:bodyPr/>
+                    <a:lstStyle/>
+                    <a:p>
+                      <a:r>
+                        <a:rPr kumimoji="1" lang="en-US" altLang="ja-JP" sz="1500" dirty="0"/>
+                        <a:t>tags</a:t>
+                      </a:r>
+                      <a:endParaRPr kumimoji="1" lang="ja-JP" altLang="en-US" sz="1500"/>
+                    </a:p>
+                  </a:txBody>
+                  <a:tcPr marT="45721" marB="45721"/>
+                </a:tc>
+                <a:tc>
+                  <a:txBody>
+                    <a:bodyPr/>
+                    <a:lstStyle/>
+                    <a:p>
+                      <a:r>
+                        <a:rPr kumimoji="1" lang="ja-JP" altLang="en-US" sz="1500" dirty="0"/>
+                        <a:t>動画に割り当てられたタグ</a:t>
+                      </a:r>
+                    </a:p>
+                  </a:txBody>
+                  <a:tcPr marT="45721" marB="45721"/>
+                </a:tc>
+                <a:extLst>
+                  <a:ext uri="{0D108BD9-81ED-4DB2-BD59-A6C34878D82A}">
+                    <a16:rowId xmlns:a16="http://schemas.microsoft.com/office/drawing/2014/main" val="1441727392"/>
+                  </a:ext>
+                </a:extLst>
+              </a:tr>
+              <a:tr h="355657">
+                <a:tc>
+                  <a:txBody>
+                    <a:bodyPr/>
+                    <a:lstStyle/>
+                    <a:p>
+                      <a:r>
+                        <a:rPr kumimoji="1" lang="en-US" altLang="ja-JP" sz="1500" dirty="0"/>
+                        <a:t>likes</a:t>
+                      </a:r>
+                      <a:endParaRPr kumimoji="1" lang="ja-JP" altLang="en-US" sz="1500"/>
+                    </a:p>
+                  </a:txBody>
+                  <a:tcPr marT="45721" marB="45721"/>
+                </a:tc>
+                <a:tc>
+                  <a:txBody>
+                    <a:bodyPr/>
+                    <a:lstStyle/>
+                    <a:p>
+                      <a:r>
+                        <a:rPr kumimoji="1" lang="ja-JP" altLang="en-US" sz="1500"/>
+                        <a:t>高評価数</a:t>
+                      </a:r>
+                    </a:p>
+                  </a:txBody>
+                  <a:tcPr marT="45721" marB="45721"/>
+                </a:tc>
+                <a:extLst>
+                  <a:ext uri="{0D108BD9-81ED-4DB2-BD59-A6C34878D82A}">
+                    <a16:rowId xmlns:a16="http://schemas.microsoft.com/office/drawing/2014/main" val="943726869"/>
+                  </a:ext>
+                </a:extLst>
+              </a:tr>
+              <a:tr h="355657">
+                <a:tc>
+                  <a:txBody>
+                    <a:bodyPr/>
+                    <a:lstStyle/>
+                    <a:p>
+                      <a:r>
+                        <a:rPr kumimoji="1" lang="en-US" altLang="ja-JP" sz="1500" dirty="0"/>
+                        <a:t>dislikes</a:t>
+                      </a:r>
+                      <a:endParaRPr kumimoji="1" lang="ja-JP" altLang="en-US" sz="1500"/>
+                    </a:p>
+                  </a:txBody>
+                  <a:tcPr marT="45721" marB="45721"/>
+                </a:tc>
+                <a:tc>
+                  <a:txBody>
+                    <a:bodyPr/>
+                    <a:lstStyle/>
+                    <a:p>
+                      <a:r>
+                        <a:rPr kumimoji="1" lang="ja-JP" altLang="en-US" sz="1500"/>
+                        <a:t>低評価数</a:t>
+                      </a:r>
+                    </a:p>
+                  </a:txBody>
+                  <a:tcPr marT="45721" marB="45721"/>
+                </a:tc>
+                <a:extLst>
+                  <a:ext uri="{0D108BD9-81ED-4DB2-BD59-A6C34878D82A}">
+                    <a16:rowId xmlns:a16="http://schemas.microsoft.com/office/drawing/2014/main" val="1887197983"/>
+                  </a:ext>
+                </a:extLst>
+              </a:tr>
+              <a:tr h="355657">
+                <a:tc>
+                  <a:txBody>
+                    <a:bodyPr/>
+                    <a:lstStyle/>
+                    <a:p>
+                      <a:r>
+                        <a:rPr kumimoji="1" lang="en-US" altLang="ja-JP" sz="1500" dirty="0"/>
+                        <a:t>comment_count</a:t>
+                      </a:r>
+                      <a:endParaRPr kumimoji="1" lang="ja-JP" altLang="en-US" sz="1500"/>
+                    </a:p>
+                  </a:txBody>
+                  <a:tcPr marT="45721" marB="45721"/>
+                </a:tc>
+                <a:tc>
+                  <a:txBody>
+                    <a:bodyPr/>
+                    <a:lstStyle/>
+                    <a:p>
+                      <a:r>
+                        <a:rPr kumimoji="1" lang="ja-JP" altLang="en-US" sz="1500"/>
+                        <a:t>コメント数</a:t>
+                      </a:r>
+                    </a:p>
+                  </a:txBody>
+                  <a:tcPr marT="45721" marB="45721"/>
+                </a:tc>
+                <a:extLst>
+                  <a:ext uri="{0D108BD9-81ED-4DB2-BD59-A6C34878D82A}">
+                    <a16:rowId xmlns:a16="http://schemas.microsoft.com/office/drawing/2014/main" val="193266614"/>
+                  </a:ext>
+                </a:extLst>
+              </a:tr>
+              <a:tr h="355657">
+                <a:tc>
+                  <a:txBody>
+                    <a:bodyPr/>
+                    <a:lstStyle/>
+                    <a:p>
+                      <a:r>
+                        <a:rPr kumimoji="1" lang="en-US" altLang="ja-JP" sz="1500" dirty="0"/>
+                        <a:t>thumbnail_link</a:t>
+                      </a:r>
+                      <a:endParaRPr kumimoji="1" lang="ja-JP" altLang="en-US" sz="1500"/>
+                    </a:p>
+                  </a:txBody>
+                  <a:tcPr marT="45721" marB="45721"/>
+                </a:tc>
+                <a:tc>
+                  <a:txBody>
+                    <a:bodyPr/>
+                    <a:lstStyle/>
+                    <a:p>
+                      <a:r>
+                        <a:rPr kumimoji="1" lang="ja-JP" altLang="en-US" sz="1500"/>
+                        <a:t>サムネイルのリンク</a:t>
+                      </a:r>
+                      <a:r>
+                        <a:rPr kumimoji="1" lang="en-US" altLang="ja-JP" sz="1500" dirty="0"/>
+                        <a:t>URL</a:t>
+                      </a:r>
+                      <a:endParaRPr kumimoji="1" lang="ja-JP" altLang="en-US" sz="1500"/>
+                    </a:p>
+                  </a:txBody>
+                  <a:tcPr marT="45721" marB="45721"/>
+                </a:tc>
+                <a:extLst>
+                  <a:ext uri="{0D108BD9-81ED-4DB2-BD59-A6C34878D82A}">
+                    <a16:rowId xmlns:a16="http://schemas.microsoft.com/office/drawing/2014/main" val="1571830466"/>
+                  </a:ext>
+                </a:extLst>
+              </a:tr>
+              <a:tr h="355657">
+                <a:tc>
+                  <a:txBody>
+                    <a:bodyPr/>
+                    <a:lstStyle/>
+                    <a:p>
+                      <a:r>
+                        <a:rPr kumimoji="1" lang="en-US" altLang="ja-JP" sz="1500" dirty="0"/>
+                        <a:t>comments_disabled</a:t>
+                      </a:r>
+                      <a:endParaRPr kumimoji="1" lang="ja-JP" altLang="en-US" sz="1500"/>
+                    </a:p>
+                  </a:txBody>
+                  <a:tcPr marT="45721" marB="45721"/>
+                </a:tc>
+                <a:tc>
+                  <a:txBody>
+                    <a:bodyPr/>
+                    <a:lstStyle/>
+                    <a:p>
+                      <a:r>
+                        <a:rPr kumimoji="1" lang="ja-JP" altLang="en-US" sz="1500"/>
+                        <a:t>コメントが許可されていない</a:t>
+                      </a:r>
+                    </a:p>
+                  </a:txBody>
+                  <a:tcPr marT="45721" marB="45721"/>
+                </a:tc>
+                <a:extLst>
+                  <a:ext uri="{0D108BD9-81ED-4DB2-BD59-A6C34878D82A}">
+                    <a16:rowId xmlns:a16="http://schemas.microsoft.com/office/drawing/2014/main" val="577308103"/>
+                  </a:ext>
+                </a:extLst>
+              </a:tr>
+              <a:tr h="355657">
+                <a:tc>
+                  <a:txBody>
+                    <a:bodyPr/>
+                    <a:lstStyle/>
+                    <a:p>
+                      <a:r>
+                        <a:rPr kumimoji="1" lang="en-US" altLang="ja-JP" sz="1500" dirty="0"/>
+                        <a:t>rating_disabled</a:t>
+                      </a:r>
+                      <a:endParaRPr kumimoji="1" lang="ja-JP" altLang="en-US" sz="1500"/>
+                    </a:p>
+                  </a:txBody>
+                  <a:tcPr marT="45721" marB="45721"/>
+                </a:tc>
+                <a:tc>
+                  <a:txBody>
+                    <a:bodyPr/>
+                    <a:lstStyle/>
+                    <a:p>
+                      <a:r>
+                        <a:rPr kumimoji="1" lang="ja-JP" altLang="en-US" sz="1500"/>
+                        <a:t>評価が許可されていない</a:t>
+                      </a:r>
+                    </a:p>
+                  </a:txBody>
+                  <a:tcPr marT="45721" marB="45721"/>
+                </a:tc>
+                <a:extLst>
+                  <a:ext uri="{0D108BD9-81ED-4DB2-BD59-A6C34878D82A}">
+                    <a16:rowId xmlns:a16="http://schemas.microsoft.com/office/drawing/2014/main" val="3094334180"/>
+                  </a:ext>
+                </a:extLst>
+              </a:tr>
+              <a:tr h="355657">
+                <a:tc>
+                  <a:txBody>
+                    <a:bodyPr/>
+                    <a:lstStyle/>
+                    <a:p>
+                      <a:r>
+                        <a:rPr kumimoji="1" lang="en-US" altLang="ja-JP" sz="1500" dirty="0"/>
+                        <a:t>description</a:t>
+                      </a:r>
+                      <a:endParaRPr kumimoji="1" lang="ja-JP" altLang="en-US" sz="1500"/>
+                    </a:p>
+                  </a:txBody>
+                  <a:tcPr marT="45721" marB="45721"/>
+                </a:tc>
+                <a:tc>
+                  <a:txBody>
+                    <a:bodyPr/>
+                    <a:lstStyle/>
+                    <a:p>
+                      <a:r>
+                        <a:rPr kumimoji="1" lang="ja-JP" altLang="en-US" sz="1500"/>
+                        <a:t>動画の説明文</a:t>
+                      </a:r>
+                    </a:p>
+                  </a:txBody>
+                  <a:tcPr marT="45721" marB="45721"/>
+                </a:tc>
+                <a:extLst>
+                  <a:ext uri="{0D108BD9-81ED-4DB2-BD59-A6C34878D82A}">
+                    <a16:rowId xmlns:a16="http://schemas.microsoft.com/office/drawing/2014/main" val="341583004"/>
+                  </a:ext>
+                </a:extLst>
+              </a:tr>
+              <a:tr h="355657">
+                <a:tc>
+                  <a:txBody>
+                    <a:bodyPr/>
+                    <a:lstStyle/>
+                    <a:p>
+                      <a:r>
+                        <a:rPr kumimoji="1" lang="en-US" altLang="ja-JP" sz="1500" dirty="0"/>
+                        <a:t>y</a:t>
+                      </a:r>
+                      <a:endParaRPr kumimoji="1" lang="ja-JP" altLang="en-US" sz="1500"/>
+                    </a:p>
+                  </a:txBody>
+                  <a:tcPr marT="45721" marB="45721"/>
+                </a:tc>
+                <a:tc>
+                  <a:txBody>
+                    <a:bodyPr/>
+                    <a:lstStyle/>
+                    <a:p>
+                      <a:r>
+                        <a:rPr kumimoji="1" lang="ja-JP" altLang="en-US" sz="1500" dirty="0"/>
+                        <a:t>再生数</a:t>
+                      </a:r>
+                    </a:p>
+                  </a:txBody>
+                  <a:tcPr marT="45721" marB="45721"/>
+                </a:tc>
+                <a:extLst>
+                  <a:ext uri="{0D108BD9-81ED-4DB2-BD59-A6C34878D82A}">
+                    <a16:rowId xmlns:a16="http://schemas.microsoft.com/office/drawing/2014/main" val="1002657697"/>
+                  </a:ext>
+                </a:extLst>
+              </a:tr>
+            </a:tbl>
+          </a:graphicData>
+        </a:graphic>
+      </p:graphicFrame>
+    </p:spTree>
+    <p:extLst>
+      <p:ext uri="{BB962C8B-B14F-4D97-AF65-F5344CB8AC3E}">
+        <p14:creationId xmlns:p14="http://schemas.microsoft.com/office/powerpoint/2010/main" val="1472793091"/>
+      </p:ext>
+    </p:extLst>
+  </p:cSld>
+  <p:clrMapOvr>
+    <a:masterClrMapping/>
+  </p:clrMapOvr>
+</p:sld>
+</file>
+
 <file path=ppt/slides/slide2.xml><?xml version="1.0" encoding="utf-8"?>
 <p:sld xmlns:a="http://schemas.openxmlformats.org/drawingml/2006/main" xmlns:r="http://schemas.openxmlformats.org/officeDocument/2006/relationships" xmlns:p="http://schemas.openxmlformats.org/presentationml/2006/main">
   <p:cSld>
@@ -9351,13 +10025,13 @@
           <p:nvPr>
             <p:extLst>
               <p:ext uri="{D42A27DB-BD31-4B8C-83A1-F6EECF244321}">
-                <p14:modId xmlns:p14="http://schemas.microsoft.com/office/powerpoint/2010/main" val="949805667"/>
+                <p14:modId xmlns:p14="http://schemas.microsoft.com/office/powerpoint/2010/main" val="187434848"/>
               </p:ext>
             </p:extLst>
           </p:nvPr>
         </p:nvGraphicFramePr>
         <p:xfrm>
-          <a:off x="0" y="1415257"/>
+          <a:off x="401077" y="1029268"/>
           <a:ext cx="7029976" cy="5442743"/>
         </p:xfrm>
         <a:graphic>
@@ -9495,7 +10169,7 @@
                     <a:lstStyle/>
                     <a:p>
                       <a:r>
-                        <a:rPr kumimoji="1" lang="en-US" altLang="ja-JP" sz="1500" dirty="0" err="1"/>
+                        <a:rPr kumimoji="1" lang="en-US" altLang="ja-JP" sz="1500" dirty="0"/>
                         <a:t>publishedAt</a:t>
                       </a:r>
                       <a:endParaRPr kumimoji="1" lang="ja-JP" altLang="en-US" sz="1500" dirty="0"/>
@@ -9529,7 +10203,7 @@
                     <a:lstStyle/>
                     <a:p>
                       <a:r>
-                        <a:rPr kumimoji="1" lang="en-US" altLang="ja-JP" sz="1500" dirty="0" err="1"/>
+                        <a:rPr kumimoji="1" lang="en-US" altLang="ja-JP" sz="1500" dirty="0"/>
                         <a:t>channelId</a:t>
                       </a:r>
                       <a:endParaRPr kumimoji="1" lang="ja-JP" altLang="en-US" sz="1500"/>
@@ -9568,7 +10242,7 @@
                     <a:lstStyle/>
                     <a:p>
                       <a:r>
-                        <a:rPr kumimoji="1" lang="en-US" altLang="ja-JP" sz="1500" dirty="0" err="1"/>
+                        <a:rPr kumimoji="1" lang="en-US" altLang="ja-JP" sz="1500" dirty="0"/>
                         <a:t>channelTitle</a:t>
                       </a:r>
                       <a:endParaRPr kumimoji="1" lang="ja-JP" altLang="en-US" sz="1500" dirty="0"/>
@@ -9602,7 +10276,7 @@
                     <a:lstStyle/>
                     <a:p>
                       <a:r>
-                        <a:rPr kumimoji="1" lang="en-US" altLang="ja-JP" sz="1500" dirty="0" err="1"/>
+                        <a:rPr kumimoji="1" lang="en-US" altLang="ja-JP" sz="1500" dirty="0"/>
                         <a:t>categoryId</a:t>
                       </a:r>
                       <a:endParaRPr kumimoji="1" lang="ja-JP" altLang="en-US" sz="1500" dirty="0"/>
